--- a/Basics_of_Automotive_Electronics.pptx
+++ b/Basics_of_Automotive_Electronics.pptx
@@ -4608,6 +4608,305 @@
           </a:effectLst>
         </p:spPr>
       </p:pic>
+      <p:sp>
+        <p:nvSpPr>
+          <p:cNvPr id="4" name="TextBox 3">
+            <a:extLst>
+              <a:ext uri="{FF2B5EF4-FFF2-40B4-BE49-F238E27FC236}">
+                <a16:creationId xmlns:a16="http://schemas.microsoft.com/office/drawing/2014/main" id="{F967ECC5-6D39-430A-BAAA-281FD863D45A}"/>
+              </a:ext>
+            </a:extLst>
+          </p:cNvPr>
+          <p:cNvSpPr txBox="1"/>
+          <p:nvPr/>
+        </p:nvSpPr>
+        <p:spPr>
+          <a:xfrm>
+            <a:off x="981074" y="253484"/>
+            <a:ext cx="9210675" cy="523220"/>
+          </a:xfrm>
+          <a:prstGeom prst="rect">
+            <a:avLst/>
+          </a:prstGeom>
+          <a:noFill/>
+        </p:spPr>
+        <p:txBody>
+          <a:bodyPr wrap="square" rtlCol="0">
+            <a:spAutoFit/>
+          </a:bodyPr>
+          <a:lstStyle>
+            <a:defPPr>
+              <a:defRPr lang="en-US"/>
+            </a:defPPr>
+            <a:lvl1pPr>
+              <a:defRPr sz="2800" b="1">
+                <a:effectLst/>
+                <a:latin typeface="Calibri" panose="020F0502020204030204" pitchFamily="34" charset="0"/>
+                <a:ea typeface="Calibri" panose="020F0502020204030204" pitchFamily="34" charset="0"/>
+                <a:cs typeface="Times New Roman" panose="02020603050405020304" pitchFamily="18" charset="0"/>
+              </a:defRPr>
+            </a:lvl1pPr>
+          </a:lstStyle>
+          <a:p>
+            <a:r>
+              <a:rPr lang="en-IN" dirty="0"/>
+              <a:t>why electronics in Automotive is so important ?</a:t>
+            </a:r>
+          </a:p>
+        </p:txBody>
+      </p:sp>
+      <p:pic>
+        <p:nvPicPr>
+          <p:cNvPr id="6" name="Picture 5">
+            <a:extLst>
+              <a:ext uri="{FF2B5EF4-FFF2-40B4-BE49-F238E27FC236}">
+                <a16:creationId xmlns:a16="http://schemas.microsoft.com/office/drawing/2014/main" id="{C1AF1BA3-7CA7-43B2-9990-9190D075AD94}"/>
+              </a:ext>
+            </a:extLst>
+          </p:cNvPr>
+          <p:cNvPicPr>
+            <a:picLocks noChangeAspect="1"/>
+          </p:cNvPicPr>
+          <p:nvPr/>
+        </p:nvPicPr>
+        <p:blipFill>
+          <a:blip r:embed="rId3"/>
+          <a:stretch>
+            <a:fillRect/>
+          </a:stretch>
+        </p:blipFill>
+        <p:spPr>
+          <a:xfrm>
+            <a:off x="9617768" y="1095375"/>
+            <a:ext cx="2332468" cy="1733550"/>
+          </a:xfrm>
+          <a:prstGeom prst="rect">
+            <a:avLst/>
+          </a:prstGeom>
+          <a:ln w="228600" cap="sq" cmpd="thickThin">
+            <a:solidFill>
+              <a:srgbClr val="000000"/>
+            </a:solidFill>
+            <a:prstDash val="solid"/>
+            <a:miter lim="800000"/>
+          </a:ln>
+          <a:effectLst>
+            <a:innerShdw blurRad="76200">
+              <a:srgbClr val="000000"/>
+            </a:innerShdw>
+          </a:effectLst>
+        </p:spPr>
+      </p:pic>
+      <p:sp>
+        <p:nvSpPr>
+          <p:cNvPr id="10" name="TextBox 9">
+            <a:extLst>
+              <a:ext uri="{FF2B5EF4-FFF2-40B4-BE49-F238E27FC236}">
+                <a16:creationId xmlns:a16="http://schemas.microsoft.com/office/drawing/2014/main" id="{4FA51727-168D-4219-94F9-E76BA8046097}"/>
+              </a:ext>
+            </a:extLst>
+          </p:cNvPr>
+          <p:cNvSpPr txBox="1"/>
+          <p:nvPr/>
+        </p:nvSpPr>
+        <p:spPr>
+          <a:xfrm>
+            <a:off x="971550" y="948690"/>
+            <a:ext cx="8410575" cy="5909310"/>
+          </a:xfrm>
+          <a:prstGeom prst="rect">
+            <a:avLst/>
+          </a:prstGeom>
+          <a:noFill/>
+        </p:spPr>
+        <p:txBody>
+          <a:bodyPr wrap="square">
+            <a:spAutoFit/>
+          </a:bodyPr>
+          <a:lstStyle/>
+          <a:p>
+            <a:r>
+              <a:rPr lang="en-US" sz="1400" dirty="0"/>
+              <a:t>It is an electronic device which has base numbers and parameters filled in its memory. With multiple sensors around a vehicle feeding the ECU data it can manage and control the electronic systems efficiently by giving orders to improve their output.</a:t>
+            </a:r>
+          </a:p>
+          <a:p>
+            <a:endParaRPr lang="en-US" sz="1400" dirty="0"/>
+          </a:p>
+          <a:p>
+            <a:r>
+              <a:rPr lang="en-US" sz="1400" dirty="0"/>
+              <a:t>Let’s take an example of how ECU controls something by looking at how airbags are deployed during an accident.</a:t>
+            </a:r>
+          </a:p>
+          <a:p>
+            <a:endParaRPr lang="en-US" sz="1400" dirty="0"/>
+          </a:p>
+          <a:p>
+            <a:r>
+              <a:rPr lang="en-US" sz="1400" dirty="0"/>
+              <a:t>The car has sensors located around itself called the crash sensors which inform the ECU when a crash has occurred. The ECU then measures the speed of the vehicle when it undergoes accident and then using its onboard memory compares the data of whether it should launch the airbags or not. If the data provides enough reason the ECU deploys the airbags. Note that all this happens in mere milliseconds.</a:t>
+            </a:r>
+          </a:p>
+          <a:p>
+            <a:endParaRPr lang="en-US" sz="1400" dirty="0"/>
+          </a:p>
+          <a:p>
+            <a:r>
+              <a:rPr lang="en-US" sz="1400" dirty="0"/>
+              <a:t>That covers how an ECU works let us take a look at what happens if it is faulty and even worse when it breaks down.</a:t>
+            </a:r>
+          </a:p>
+          <a:p>
+            <a:endParaRPr lang="en-US" sz="1400" dirty="0"/>
+          </a:p>
+          <a:p>
+            <a:r>
+              <a:rPr lang="en-US" sz="1400" dirty="0"/>
+              <a:t>A faulty ECU is probably the worst thing for a car. It’ll work but its performance will be heavily affected. You’ll notice sudden drops in fuel economy and jerky gear shifts. The check engine light staying on might mean a lot of possible errors but an ECU fault is one of the major ones.</a:t>
+            </a:r>
+          </a:p>
+          <a:p>
+            <a:endParaRPr lang="en-US" sz="1400" dirty="0"/>
+          </a:p>
+          <a:p>
+            <a:r>
+              <a:rPr lang="en-US" sz="1400" b="1" dirty="0"/>
+              <a:t>What Happens If An ECU Is Dead?</a:t>
+            </a:r>
+          </a:p>
+          <a:p>
+            <a:endParaRPr lang="en-US" sz="1400" b="1" dirty="0"/>
+          </a:p>
+          <a:p>
+            <a:r>
+              <a:rPr lang="en-US" sz="1400" dirty="0"/>
+              <a:t>The car won’t start at all. The ECU controls the engine ignition so a dead one will not start the car at all. Other features will not work as well but frankly if the engine is dead other features don’t really matter that much.</a:t>
+            </a:r>
+          </a:p>
+          <a:p>
+            <a:endParaRPr lang="en-US" sz="1400" dirty="0"/>
+          </a:p>
+          <a:p>
+            <a:r>
+              <a:rPr lang="en-US" sz="1400" dirty="0"/>
+              <a:t>That covers the brief explanation of the Electronic Control Unit.</a:t>
+            </a:r>
+          </a:p>
+        </p:txBody>
+      </p:sp>
+      <p:pic>
+        <p:nvPicPr>
+          <p:cNvPr id="12" name="Picture 11">
+            <a:extLst>
+              <a:ext uri="{FF2B5EF4-FFF2-40B4-BE49-F238E27FC236}">
+                <a16:creationId xmlns:a16="http://schemas.microsoft.com/office/drawing/2014/main" id="{9337DBB7-F176-4B66-B340-0BD164338962}"/>
+              </a:ext>
+            </a:extLst>
+          </p:cNvPr>
+          <p:cNvPicPr>
+            <a:picLocks noChangeAspect="1"/>
+          </p:cNvPicPr>
+          <p:nvPr/>
+        </p:nvPicPr>
+        <p:blipFill>
+          <a:blip r:embed="rId4"/>
+          <a:stretch>
+            <a:fillRect/>
+          </a:stretch>
+        </p:blipFill>
+        <p:spPr>
+          <a:xfrm>
+            <a:off x="9610724" y="3676651"/>
+            <a:ext cx="2344527" cy="2081210"/>
+          </a:xfrm>
+          <a:prstGeom prst="rect">
+            <a:avLst/>
+          </a:prstGeom>
+          <a:ln w="228600" cap="sq" cmpd="thickThin">
+            <a:solidFill>
+              <a:srgbClr val="000000"/>
+            </a:solidFill>
+            <a:prstDash val="solid"/>
+            <a:miter lim="800000"/>
+          </a:ln>
+          <a:effectLst>
+            <a:innerShdw blurRad="76200">
+              <a:srgbClr val="000000"/>
+            </a:innerShdw>
+          </a:effectLst>
+        </p:spPr>
+      </p:pic>
+      <p:sp>
+        <p:nvSpPr>
+          <p:cNvPr id="13" name="TextBox 12">
+            <a:extLst>
+              <a:ext uri="{FF2B5EF4-FFF2-40B4-BE49-F238E27FC236}">
+                <a16:creationId xmlns:a16="http://schemas.microsoft.com/office/drawing/2014/main" id="{1360B4D6-B0F4-430C-89BE-03FFB8E1AF9B}"/>
+              </a:ext>
+            </a:extLst>
+          </p:cNvPr>
+          <p:cNvSpPr txBox="1"/>
+          <p:nvPr/>
+        </p:nvSpPr>
+        <p:spPr>
+          <a:xfrm>
+            <a:off x="10201275" y="3038475"/>
+            <a:ext cx="2428875" cy="338554"/>
+          </a:xfrm>
+          <a:prstGeom prst="rect">
+            <a:avLst/>
+          </a:prstGeom>
+          <a:noFill/>
+        </p:spPr>
+        <p:txBody>
+          <a:bodyPr wrap="square" rtlCol="0">
+            <a:spAutoFit/>
+          </a:bodyPr>
+          <a:lstStyle/>
+          <a:p>
+            <a:r>
+              <a:rPr lang="en-IN" sz="1600" dirty="0"/>
+              <a:t>An ECU </a:t>
+            </a:r>
+          </a:p>
+        </p:txBody>
+      </p:sp>
+      <p:sp>
+        <p:nvSpPr>
+          <p:cNvPr id="14" name="TextBox 13">
+            <a:extLst>
+              <a:ext uri="{FF2B5EF4-FFF2-40B4-BE49-F238E27FC236}">
+                <a16:creationId xmlns:a16="http://schemas.microsoft.com/office/drawing/2014/main" id="{7948E896-682B-4E9F-8863-4706EA9766F2}"/>
+              </a:ext>
+            </a:extLst>
+          </p:cNvPr>
+          <p:cNvSpPr txBox="1"/>
+          <p:nvPr/>
+        </p:nvSpPr>
+        <p:spPr>
+          <a:xfrm>
+            <a:off x="9763125" y="5962650"/>
+            <a:ext cx="2428875" cy="338554"/>
+          </a:xfrm>
+          <a:prstGeom prst="rect">
+            <a:avLst/>
+          </a:prstGeom>
+          <a:noFill/>
+        </p:spPr>
+        <p:txBody>
+          <a:bodyPr wrap="square" rtlCol="0">
+            <a:spAutoFit/>
+          </a:bodyPr>
+          <a:lstStyle/>
+          <a:p>
+            <a:r>
+              <a:rPr lang="en-IN" sz="1600" dirty="0"/>
+              <a:t> Inside ECU</a:t>
+            </a:r>
+          </a:p>
+        </p:txBody>
+      </p:sp>
     </p:spTree>
     <p:extLst>
       <p:ext uri="{BB962C8B-B14F-4D97-AF65-F5344CB8AC3E}">
@@ -7609,10 +7908,10 @@
       </p:pic>
       <p:sp>
         <p:nvSpPr>
-          <p:cNvPr id="4" name="TextBox 3">
+          <p:cNvPr id="8" name="TextBox 7">
             <a:extLst>
               <a:ext uri="{FF2B5EF4-FFF2-40B4-BE49-F238E27FC236}">
-                <a16:creationId xmlns:a16="http://schemas.microsoft.com/office/drawing/2014/main" id="{392EC4F8-F4AF-48DF-BAEE-345F269E801E}"/>
+                <a16:creationId xmlns:a16="http://schemas.microsoft.com/office/drawing/2014/main" id="{C62A1B3C-EC2F-4CF5-8D77-9223533AA066}"/>
               </a:ext>
             </a:extLst>
           </p:cNvPr>
@@ -7621,8 +7920,8 @@
         </p:nvSpPr>
         <p:spPr>
           <a:xfrm>
-            <a:off x="1771650" y="4119860"/>
-            <a:ext cx="6191250" cy="923330"/>
+            <a:off x="1009650" y="139184"/>
+            <a:ext cx="7905750" cy="523220"/>
           </a:xfrm>
           <a:prstGeom prst="rect">
             <a:avLst/>
@@ -7630,49 +7929,36 @@
           <a:noFill/>
         </p:spPr>
         <p:txBody>
-          <a:bodyPr wrap="square">
+          <a:bodyPr wrap="square" rtlCol="0">
             <a:spAutoFit/>
           </a:bodyPr>
-          <a:lstStyle/>
-          <a:p>
-            <a:r>
-              <a:rPr lang="en-IN" sz="1800" b="1" dirty="0">
-                <a:latin typeface="Calibri" panose="020F0502020204030204" pitchFamily="34" charset="0"/>
-                <a:ea typeface="Calibri" panose="020F0502020204030204" pitchFamily="34" charset="0"/>
-                <a:cs typeface="Times New Roman" panose="02020603050405020304" pitchFamily="18" charset="0"/>
-              </a:rPr>
-              <a:t>Control unit (Embedded system) introduction</a:t>
-            </a:r>
-          </a:p>
-          <a:p>
-            <a:r>
-              <a:rPr lang="en-IN" sz="1800" b="1" dirty="0">
-                <a:latin typeface="Calibri" panose="020F0502020204030204" pitchFamily="34" charset="0"/>
-                <a:ea typeface="Calibri" panose="020F0502020204030204" pitchFamily="34" charset="0"/>
-                <a:cs typeface="Times New Roman" panose="02020603050405020304" pitchFamily="18" charset="0"/>
-              </a:rPr>
-              <a:t>         Latest cars –with max features</a:t>
-            </a:r>
-          </a:p>
-          <a:p>
-            <a:r>
-              <a:rPr lang="en-IN" sz="1800" b="1" dirty="0">
-                <a:latin typeface="Calibri" panose="020F0502020204030204" pitchFamily="34" charset="0"/>
-                <a:ea typeface="Calibri" panose="020F0502020204030204" pitchFamily="34" charset="0"/>
-                <a:cs typeface="Times New Roman" panose="02020603050405020304" pitchFamily="18" charset="0"/>
-              </a:rPr>
-              <a:t>         why electronics in Automotive is so important ??</a:t>
-            </a:r>
-            <a:endParaRPr lang="en-IN" sz="1800" dirty="0"/>
+          <a:lstStyle>
+            <a:defPPr>
+              <a:defRPr lang="en-US"/>
+            </a:defPPr>
+            <a:lvl1pPr>
+              <a:defRPr sz="2800" b="1">
+                <a:effectLst/>
+                <a:latin typeface="Calibri" panose="020F0502020204030204" pitchFamily="34" charset="0"/>
+                <a:ea typeface="Calibri" panose="020F0502020204030204" pitchFamily="34" charset="0"/>
+                <a:cs typeface="Times New Roman" panose="02020603050405020304" pitchFamily="18" charset="0"/>
+              </a:defRPr>
+            </a:lvl1pPr>
+          </a:lstStyle>
+          <a:p>
+            <a:r>
+              <a:rPr lang="en-IN" dirty="0"/>
+              <a:t>Electronic Control Unit (Embedded system) in Car ?</a:t>
+            </a:r>
           </a:p>
         </p:txBody>
       </p:sp>
       <p:pic>
         <p:nvPicPr>
-          <p:cNvPr id="5" name="Picture 4">
+          <p:cNvPr id="10" name="Picture 9">
             <a:extLst>
               <a:ext uri="{FF2B5EF4-FFF2-40B4-BE49-F238E27FC236}">
-                <a16:creationId xmlns:a16="http://schemas.microsoft.com/office/drawing/2014/main" id="{E83F0C2B-E8FB-432F-BC69-0B8A264914E6}"/>
+                <a16:creationId xmlns:a16="http://schemas.microsoft.com/office/drawing/2014/main" id="{9BEF2E04-D6CF-422B-B65F-CCEE024C8CDC}"/>
               </a:ext>
             </a:extLst>
           </p:cNvPr>
@@ -7689,20 +7975,36 @@
         </p:blipFill>
         <p:spPr>
           <a:xfrm>
-            <a:off x="1162326" y="381000"/>
-            <a:ext cx="4028799" cy="3317125"/>
-          </a:xfrm>
-          <a:prstGeom prst="rect">
-            <a:avLst/>
+            <a:off x="1627359" y="1885949"/>
+            <a:ext cx="8605352" cy="4752975"/>
+          </a:xfrm>
+          <a:prstGeom prst="round2DiagRect">
+            <a:avLst>
+              <a:gd name="adj1" fmla="val 16667"/>
+              <a:gd name="adj2" fmla="val 0"/>
+            </a:avLst>
           </a:prstGeom>
+          <a:ln w="88900" cap="sq">
+            <a:solidFill>
+              <a:srgbClr val="FFFFFF"/>
+            </a:solidFill>
+            <a:miter lim="800000"/>
+          </a:ln>
+          <a:effectLst>
+            <a:outerShdw blurRad="254000" algn="tl" rotWithShape="0">
+              <a:srgbClr val="000000">
+                <a:alpha val="43000"/>
+              </a:srgbClr>
+            </a:outerShdw>
+          </a:effectLst>
         </p:spPr>
       </p:pic>
       <p:sp>
         <p:nvSpPr>
-          <p:cNvPr id="6" name="TextBox 5">
+          <p:cNvPr id="14" name="TextBox 13">
             <a:extLst>
               <a:ext uri="{FF2B5EF4-FFF2-40B4-BE49-F238E27FC236}">
-                <a16:creationId xmlns:a16="http://schemas.microsoft.com/office/drawing/2014/main" id="{3BD6D0C9-D471-4AC2-B273-74C2189EB40E}"/>
+                <a16:creationId xmlns:a16="http://schemas.microsoft.com/office/drawing/2014/main" id="{633C5CEE-F47A-4D09-BD47-B365D054C93B}"/>
               </a:ext>
             </a:extLst>
           </p:cNvPr>
@@ -7711,8 +8013,8 @@
         </p:nvSpPr>
         <p:spPr>
           <a:xfrm>
-            <a:off x="2162175" y="3787260"/>
-            <a:ext cx="2447925" cy="276999"/>
+            <a:off x="1304924" y="961936"/>
+            <a:ext cx="8810625" cy="584775"/>
           </a:xfrm>
           <a:prstGeom prst="rect">
             <a:avLst/>
@@ -7726,13 +8028,153 @@
           <a:lstStyle/>
           <a:p>
             <a:r>
-              <a:rPr lang="en-US" sz="1200" dirty="0"/>
-              <a:t>1927 Ford Model T</a:t>
-            </a:r>
-            <a:endParaRPr lang="en-IN" sz="1200" dirty="0"/>
+              <a:rPr lang="en-US" sz="1600" dirty="0"/>
+              <a:t>General Motors' (GM) first ECUs had a small application of hybrid digital ECUs as a pilot program in 1979, but by 1980, all active programs were using microprocessor-based systems.</a:t>
+            </a:r>
+            <a:endParaRPr lang="en-IN" sz="1600" dirty="0"/>
           </a:p>
         </p:txBody>
       </p:sp>
+      <p:sp>
+        <p:nvSpPr>
+          <p:cNvPr id="16" name="TextBox 15">
+            <a:extLst>
+              <a:ext uri="{FF2B5EF4-FFF2-40B4-BE49-F238E27FC236}">
+                <a16:creationId xmlns:a16="http://schemas.microsoft.com/office/drawing/2014/main" id="{411D4DBF-7D0B-4C06-9508-121D0F1DB740}"/>
+              </a:ext>
+            </a:extLst>
+          </p:cNvPr>
+          <p:cNvSpPr txBox="1"/>
+          <p:nvPr/>
+        </p:nvSpPr>
+        <p:spPr>
+          <a:xfrm>
+            <a:off x="1066800" y="3387715"/>
+            <a:ext cx="10334625" cy="2031325"/>
+          </a:xfrm>
+          <a:prstGeom prst="rect">
+            <a:avLst/>
+          </a:prstGeom>
+          <a:noFill/>
+        </p:spPr>
+        <p:txBody>
+          <a:bodyPr wrap="square">
+            <a:spAutoFit/>
+          </a:bodyPr>
+          <a:lstStyle>
+            <a:defPPr>
+              <a:defRPr lang="en-US"/>
+            </a:defPPr>
+          </a:lstStyle>
+          <a:p>
+            <a:r>
+              <a:rPr lang="en-US" dirty="0"/>
+              <a:t>Modern ECUs use a microprocessor which can process the inputs from the engine sensors in real-time. An electronic control unit contains the hardware and software (firmware). The hardware consists of electronic components on a printed circuit board (PCB), ceramic substrate or a thin laminate substrate. The main component on this circuit board is a microcontroller chip (MCU). The software is stored in the microcontroller or other chips on the PCB., typically in EPROMs or flash memory so the CPU can be re-programmed by uploading updated code or replacing chips. This is also referred to as an (electronic) Engine Management System (EMS).</a:t>
+            </a:r>
+            <a:endParaRPr lang="en-IN" dirty="0"/>
+          </a:p>
+        </p:txBody>
+      </p:sp>
+      <p:grpSp>
+        <p:nvGrpSpPr>
+          <p:cNvPr id="21" name="Group 20">
+            <a:extLst>
+              <a:ext uri="{FF2B5EF4-FFF2-40B4-BE49-F238E27FC236}">
+                <a16:creationId xmlns:a16="http://schemas.microsoft.com/office/drawing/2014/main" id="{03468235-B54E-4707-9484-D87965382EB1}"/>
+              </a:ext>
+            </a:extLst>
+          </p:cNvPr>
+          <p:cNvGrpSpPr/>
+          <p:nvPr/>
+        </p:nvGrpSpPr>
+        <p:grpSpPr>
+          <a:xfrm>
+            <a:off x="1095374" y="714375"/>
+            <a:ext cx="10210801" cy="5714117"/>
+            <a:chOff x="542924" y="3915658"/>
+            <a:chExt cx="10477501" cy="5884685"/>
+          </a:xfrm>
+        </p:grpSpPr>
+        <p:pic>
+          <p:nvPicPr>
+            <p:cNvPr id="18" name="Picture 17">
+              <a:extLst>
+                <a:ext uri="{FF2B5EF4-FFF2-40B4-BE49-F238E27FC236}">
+                  <a16:creationId xmlns:a16="http://schemas.microsoft.com/office/drawing/2014/main" id="{9C19A594-21A6-473C-A28C-41B83CE8C87E}"/>
+                </a:ext>
+              </a:extLst>
+            </p:cNvPr>
+            <p:cNvPicPr>
+              <a:picLocks noChangeAspect="1"/>
+            </p:cNvPicPr>
+            <p:nvPr/>
+          </p:nvPicPr>
+          <p:blipFill>
+            <a:blip r:embed="rId4"/>
+            <a:stretch>
+              <a:fillRect/>
+            </a:stretch>
+          </p:blipFill>
+          <p:spPr>
+            <a:xfrm>
+              <a:off x="542924" y="3915658"/>
+              <a:ext cx="10477501" cy="5884685"/>
+            </a:xfrm>
+            <a:prstGeom prst="rect">
+              <a:avLst/>
+            </a:prstGeom>
+          </p:spPr>
+        </p:pic>
+        <p:sp>
+          <p:nvSpPr>
+            <p:cNvPr id="19" name="Rectangle 18">
+              <a:extLst>
+                <a:ext uri="{FF2B5EF4-FFF2-40B4-BE49-F238E27FC236}">
+                  <a16:creationId xmlns:a16="http://schemas.microsoft.com/office/drawing/2014/main" id="{AAABDCD8-1FD9-4268-BBF5-92314C967614}"/>
+                </a:ext>
+              </a:extLst>
+            </p:cNvPr>
+            <p:cNvSpPr/>
+            <p:nvPr/>
+          </p:nvSpPr>
+          <p:spPr>
+            <a:xfrm>
+              <a:off x="702485" y="4121524"/>
+              <a:ext cx="2879455" cy="1413115"/>
+            </a:xfrm>
+            <a:prstGeom prst="rect">
+              <a:avLst/>
+            </a:prstGeom>
+          </p:spPr>
+          <p:style>
+            <a:lnRef idx="2">
+              <a:schemeClr val="dk1">
+                <a:shade val="50000"/>
+              </a:schemeClr>
+            </a:lnRef>
+            <a:fillRef idx="1">
+              <a:schemeClr val="dk1"/>
+            </a:fillRef>
+            <a:effectRef idx="0">
+              <a:schemeClr val="dk1"/>
+            </a:effectRef>
+            <a:fontRef idx="minor">
+              <a:schemeClr val="lt1"/>
+            </a:fontRef>
+          </p:style>
+          <p:txBody>
+            <a:bodyPr rtlCol="0" anchor="ctr"/>
+            <a:lstStyle/>
+            <a:p>
+              <a:pPr algn="ctr"/>
+              <a:r>
+                <a:rPr lang="en-IN" dirty="0"/>
+                <a:t>An Example System</a:t>
+              </a:r>
+            </a:p>
+          </p:txBody>
+        </p:sp>
+      </p:grpSp>
     </p:spTree>
     <p:extLst>
       <p:ext uri="{BB962C8B-B14F-4D97-AF65-F5344CB8AC3E}">
@@ -7743,6 +8185,937 @@
   <p:clrMapOvr>
     <a:masterClrMapping/>
   </p:clrMapOvr>
+  <p:timing>
+    <p:tnLst>
+      <p:par>
+        <p:cTn id="1" dur="indefinite" restart="never" nodeType="tmRoot">
+          <p:childTnLst>
+            <p:seq concurrent="1" nextAc="seek">
+              <p:cTn id="2" dur="indefinite" nodeType="mainSeq">
+                <p:childTnLst>
+                  <p:par>
+                    <p:cTn id="3" fill="hold">
+                      <p:stCondLst>
+                        <p:cond delay="indefinite"/>
+                      </p:stCondLst>
+                      <p:childTnLst>
+                        <p:par>
+                          <p:cTn id="4" fill="hold">
+                            <p:stCondLst>
+                              <p:cond delay="0"/>
+                            </p:stCondLst>
+                            <p:childTnLst>
+                              <p:par>
+                                <p:cTn id="5" presetID="14" presetClass="entr" presetSubtype="10" fill="hold" grpId="0" nodeType="clickEffect">
+                                  <p:stCondLst>
+                                    <p:cond delay="0"/>
+                                  </p:stCondLst>
+                                  <p:childTnLst>
+                                    <p:set>
+                                      <p:cBhvr>
+                                        <p:cTn id="6" dur="1" fill="hold">
+                                          <p:stCondLst>
+                                            <p:cond delay="0"/>
+                                          </p:stCondLst>
+                                        </p:cTn>
+                                        <p:tgtEl>
+                                          <p:spTgt spid="14"/>
+                                        </p:tgtEl>
+                                        <p:attrNameLst>
+                                          <p:attrName>style.visibility</p:attrName>
+                                        </p:attrNameLst>
+                                      </p:cBhvr>
+                                      <p:to>
+                                        <p:strVal val="visible"/>
+                                      </p:to>
+                                    </p:set>
+                                    <p:animEffect transition="in" filter="randombar(horizontal)">
+                                      <p:cBhvr>
+                                        <p:cTn id="7" dur="500"/>
+                                        <p:tgtEl>
+                                          <p:spTgt spid="14"/>
+                                        </p:tgtEl>
+                                      </p:cBhvr>
+                                    </p:animEffect>
+                                  </p:childTnLst>
+                                </p:cTn>
+                              </p:par>
+                            </p:childTnLst>
+                          </p:cTn>
+                        </p:par>
+                      </p:childTnLst>
+                    </p:cTn>
+                  </p:par>
+                  <p:par>
+                    <p:cTn id="8" fill="hold">
+                      <p:stCondLst>
+                        <p:cond delay="indefinite"/>
+                      </p:stCondLst>
+                      <p:childTnLst>
+                        <p:par>
+                          <p:cTn id="9" fill="hold">
+                            <p:stCondLst>
+                              <p:cond delay="0"/>
+                            </p:stCondLst>
+                            <p:childTnLst>
+                              <p:par>
+                                <p:cTn id="10" presetID="14" presetClass="entr" presetSubtype="10" fill="hold" nodeType="clickEffect">
+                                  <p:stCondLst>
+                                    <p:cond delay="0"/>
+                                  </p:stCondLst>
+                                  <p:childTnLst>
+                                    <p:set>
+                                      <p:cBhvr>
+                                        <p:cTn id="11" dur="1" fill="hold">
+                                          <p:stCondLst>
+                                            <p:cond delay="0"/>
+                                          </p:stCondLst>
+                                        </p:cTn>
+                                        <p:tgtEl>
+                                          <p:spTgt spid="10"/>
+                                        </p:tgtEl>
+                                        <p:attrNameLst>
+                                          <p:attrName>style.visibility</p:attrName>
+                                        </p:attrNameLst>
+                                      </p:cBhvr>
+                                      <p:to>
+                                        <p:strVal val="visible"/>
+                                      </p:to>
+                                    </p:set>
+                                    <p:animEffect transition="in" filter="randombar(horizontal)">
+                                      <p:cBhvr>
+                                        <p:cTn id="12" dur="500"/>
+                                        <p:tgtEl>
+                                          <p:spTgt spid="10"/>
+                                        </p:tgtEl>
+                                      </p:cBhvr>
+                                    </p:animEffect>
+                                  </p:childTnLst>
+                                </p:cTn>
+                              </p:par>
+                            </p:childTnLst>
+                          </p:cTn>
+                        </p:par>
+                      </p:childTnLst>
+                    </p:cTn>
+                  </p:par>
+                  <p:par>
+                    <p:cTn id="13" fill="hold">
+                      <p:stCondLst>
+                        <p:cond delay="indefinite"/>
+                      </p:stCondLst>
+                      <p:childTnLst>
+                        <p:par>
+                          <p:cTn id="14" fill="hold">
+                            <p:stCondLst>
+                              <p:cond delay="0"/>
+                            </p:stCondLst>
+                            <p:childTnLst>
+                              <p:par>
+                                <p:cTn id="15" presetID="16" presetClass="exit" presetSubtype="21" fill="hold" nodeType="clickEffect">
+                                  <p:stCondLst>
+                                    <p:cond delay="0"/>
+                                  </p:stCondLst>
+                                  <p:childTnLst>
+                                    <p:animEffect transition="out" filter="barn(inVertical)">
+                                      <p:cBhvr>
+                                        <p:cTn id="16" dur="500"/>
+                                        <p:tgtEl>
+                                          <p:spTgt spid="10"/>
+                                        </p:tgtEl>
+                                      </p:cBhvr>
+                                    </p:animEffect>
+                                    <p:set>
+                                      <p:cBhvr>
+                                        <p:cTn id="17" dur="1" fill="hold">
+                                          <p:stCondLst>
+                                            <p:cond delay="499"/>
+                                          </p:stCondLst>
+                                        </p:cTn>
+                                        <p:tgtEl>
+                                          <p:spTgt spid="10"/>
+                                        </p:tgtEl>
+                                        <p:attrNameLst>
+                                          <p:attrName>style.visibility</p:attrName>
+                                        </p:attrNameLst>
+                                      </p:cBhvr>
+                                      <p:to>
+                                        <p:strVal val="hidden"/>
+                                      </p:to>
+                                    </p:set>
+                                  </p:childTnLst>
+                                </p:cTn>
+                              </p:par>
+                            </p:childTnLst>
+                          </p:cTn>
+                        </p:par>
+                      </p:childTnLst>
+                    </p:cTn>
+                  </p:par>
+                  <p:par>
+                    <p:cTn id="18" fill="hold">
+                      <p:stCondLst>
+                        <p:cond delay="indefinite"/>
+                      </p:stCondLst>
+                      <p:childTnLst>
+                        <p:par>
+                          <p:cTn id="19" fill="hold">
+                            <p:stCondLst>
+                              <p:cond delay="0"/>
+                            </p:stCondLst>
+                            <p:childTnLst>
+                              <p:par>
+                                <p:cTn id="20" presetID="21" presetClass="entr" presetSubtype="1" fill="hold" grpId="0" nodeType="clickEffect">
+                                  <p:stCondLst>
+                                    <p:cond delay="0"/>
+                                  </p:stCondLst>
+                                  <p:childTnLst>
+                                    <p:set>
+                                      <p:cBhvr>
+                                        <p:cTn id="21" dur="1" fill="hold">
+                                          <p:stCondLst>
+                                            <p:cond delay="0"/>
+                                          </p:stCondLst>
+                                        </p:cTn>
+                                        <p:tgtEl>
+                                          <p:spTgt spid="16"/>
+                                        </p:tgtEl>
+                                        <p:attrNameLst>
+                                          <p:attrName>style.visibility</p:attrName>
+                                        </p:attrNameLst>
+                                      </p:cBhvr>
+                                      <p:to>
+                                        <p:strVal val="visible"/>
+                                      </p:to>
+                                    </p:set>
+                                    <p:animEffect transition="in" filter="wheel(1)">
+                                      <p:cBhvr>
+                                        <p:cTn id="22" dur="2000"/>
+                                        <p:tgtEl>
+                                          <p:spTgt spid="16"/>
+                                        </p:tgtEl>
+                                      </p:cBhvr>
+                                    </p:animEffect>
+                                  </p:childTnLst>
+                                </p:cTn>
+                              </p:par>
+                            </p:childTnLst>
+                          </p:cTn>
+                        </p:par>
+                      </p:childTnLst>
+                    </p:cTn>
+                  </p:par>
+                  <p:par>
+                    <p:cTn id="23" fill="hold">
+                      <p:stCondLst>
+                        <p:cond delay="indefinite"/>
+                      </p:stCondLst>
+                      <p:childTnLst>
+                        <p:par>
+                          <p:cTn id="24" fill="hold">
+                            <p:stCondLst>
+                              <p:cond delay="0"/>
+                            </p:stCondLst>
+                            <p:childTnLst>
+                              <p:par>
+                                <p:cTn id="25" presetID="26" presetClass="exit" presetSubtype="0" fill="hold" grpId="1" nodeType="clickEffect">
+                                  <p:stCondLst>
+                                    <p:cond delay="0"/>
+                                  </p:stCondLst>
+                                  <p:childTnLst>
+                                    <p:animEffect transition="out" filter="wipe(down)">
+                                      <p:cBhvr>
+                                        <p:cTn id="26" dur="180" accel="50000">
+                                          <p:stCondLst>
+                                            <p:cond delay="1820"/>
+                                          </p:stCondLst>
+                                        </p:cTn>
+                                        <p:tgtEl>
+                                          <p:spTgt spid="16"/>
+                                        </p:tgtEl>
+                                      </p:cBhvr>
+                                    </p:animEffect>
+                                    <p:anim calcmode="lin" valueType="num">
+                                      <p:cBhvr>
+                                        <p:cTn id="27" dur="1822" tmFilter="0,0; 0.14,0.31; 0.43,0.73; 0.71,0.91; 1.0,1.0">
+                                          <p:stCondLst>
+                                            <p:cond delay="0"/>
+                                          </p:stCondLst>
+                                        </p:cTn>
+                                        <p:tgtEl>
+                                          <p:spTgt spid="16"/>
+                                        </p:tgtEl>
+                                        <p:attrNameLst>
+                                          <p:attrName>ppt_x</p:attrName>
+                                        </p:attrNameLst>
+                                      </p:cBhvr>
+                                      <p:tavLst>
+                                        <p:tav tm="0">
+                                          <p:val>
+                                            <p:strVal val="ppt_x"/>
+                                          </p:val>
+                                        </p:tav>
+                                        <p:tav tm="100000">
+                                          <p:val>
+                                            <p:strVal val="#ppt_x+0.25"/>
+                                          </p:val>
+                                        </p:tav>
+                                      </p:tavLst>
+                                    </p:anim>
+                                    <p:anim calcmode="lin" valueType="num">
+                                      <p:cBhvr>
+                                        <p:cTn id="28" dur="178">
+                                          <p:stCondLst>
+                                            <p:cond delay="1822"/>
+                                          </p:stCondLst>
+                                        </p:cTn>
+                                        <p:tgtEl>
+                                          <p:spTgt spid="16"/>
+                                        </p:tgtEl>
+                                        <p:attrNameLst>
+                                          <p:attrName>ppt_x</p:attrName>
+                                        </p:attrNameLst>
+                                      </p:cBhvr>
+                                      <p:tavLst>
+                                        <p:tav tm="0">
+                                          <p:val>
+                                            <p:strVal val="ppt_x"/>
+                                          </p:val>
+                                        </p:tav>
+                                        <p:tav tm="100000">
+                                          <p:val>
+                                            <p:strVal val="ppt_x"/>
+                                          </p:val>
+                                        </p:tav>
+                                      </p:tavLst>
+                                    </p:anim>
+                                    <p:anim calcmode="lin" valueType="num">
+                                      <p:cBhvr>
+                                        <p:cTn id="29" dur="664" tmFilter="0.0,0.0;0.25,0.07;0.50,0.2;0.75,0.467;1.0,1.0">
+                                          <p:stCondLst>
+                                            <p:cond delay="0"/>
+                                          </p:stCondLst>
+                                        </p:cTn>
+                                        <p:tgtEl>
+                                          <p:spTgt spid="16"/>
+                                        </p:tgtEl>
+                                        <p:attrNameLst>
+                                          <p:attrName>ppt_y</p:attrName>
+                                        </p:attrNameLst>
+                                      </p:cBhvr>
+                                      <p:tavLst>
+                                        <p:tav tm="0">
+                                          <p:val>
+                                            <p:strVal val="ppt_y"/>
+                                          </p:val>
+                                        </p:tav>
+                                        <p:tav tm="5000">
+                                          <p:val>
+                                            <p:strVal val="ppt_y+0.026"/>
+                                          </p:val>
+                                        </p:tav>
+                                        <p:tav tm="10000">
+                                          <p:val>
+                                            <p:strVal val="ppt_y+0.052"/>
+                                          </p:val>
+                                        </p:tav>
+                                        <p:tav tm="15000">
+                                          <p:val>
+                                            <p:strVal val="ppt_y+0.078"/>
+                                          </p:val>
+                                        </p:tav>
+                                        <p:tav tm="20000">
+                                          <p:val>
+                                            <p:strVal val="ppt_y+0.103"/>
+                                          </p:val>
+                                        </p:tav>
+                                        <p:tav tm="30000">
+                                          <p:val>
+                                            <p:strVal val="ppt_y+0.151"/>
+                                          </p:val>
+                                        </p:tav>
+                                        <p:tav tm="40000">
+                                          <p:val>
+                                            <p:strVal val="ppt_y+0.196"/>
+                                          </p:val>
+                                        </p:tav>
+                                        <p:tav tm="50000">
+                                          <p:val>
+                                            <p:strVal val="ppt_y+0.236"/>
+                                          </p:val>
+                                        </p:tav>
+                                        <p:tav tm="60000">
+                                          <p:val>
+                                            <p:strVal val="ppt_y+0.270"/>
+                                          </p:val>
+                                        </p:tav>
+                                        <p:tav tm="70000">
+                                          <p:val>
+                                            <p:strVal val="ppt_y+0.297"/>
+                                          </p:val>
+                                        </p:tav>
+                                        <p:tav tm="80000">
+                                          <p:val>
+                                            <p:strVal val="ppt_y+0.317"/>
+                                          </p:val>
+                                        </p:tav>
+                                        <p:tav tm="90000">
+                                          <p:val>
+                                            <p:strVal val="ppt_y+0.329"/>
+                                          </p:val>
+                                        </p:tav>
+                                        <p:tav tm="100000">
+                                          <p:val>
+                                            <p:strVal val="ppt_y+0.333"/>
+                                          </p:val>
+                                        </p:tav>
+                                      </p:tavLst>
+                                    </p:anim>
+                                    <p:anim calcmode="lin" valueType="num">
+                                      <p:cBhvr>
+                                        <p:cTn id="30" dur="664" tmFilter="0, 0; 0.125,0.2665; 0.25,0.4; 0.375,0.465; 0.5,0.5;  0.625,0.535; 0.75,0.6; 0.875,0.7335; 1,1">
+                                          <p:stCondLst>
+                                            <p:cond delay="664"/>
+                                          </p:stCondLst>
+                                        </p:cTn>
+                                        <p:tgtEl>
+                                          <p:spTgt spid="16"/>
+                                        </p:tgtEl>
+                                        <p:attrNameLst>
+                                          <p:attrName>ppt_y</p:attrName>
+                                        </p:attrNameLst>
+                                      </p:cBhvr>
+                                      <p:tavLst>
+                                        <p:tav tm="0">
+                                          <p:val>
+                                            <p:strVal val="ppt_y"/>
+                                          </p:val>
+                                        </p:tav>
+                                        <p:tav tm="10000">
+                                          <p:val>
+                                            <p:strVal val="ppt_y-0.034"/>
+                                          </p:val>
+                                        </p:tav>
+                                        <p:tav tm="20000">
+                                          <p:val>
+                                            <p:strVal val="ppt_y-0.065"/>
+                                          </p:val>
+                                        </p:tav>
+                                        <p:tav tm="30000">
+                                          <p:val>
+                                            <p:strVal val="ppt_y-0.090"/>
+                                          </p:val>
+                                        </p:tav>
+                                        <p:tav tm="40000">
+                                          <p:val>
+                                            <p:strVal val="ppt_y-0.106"/>
+                                          </p:val>
+                                        </p:tav>
+                                        <p:tav tm="50000">
+                                          <p:val>
+                                            <p:strVal val="ppt_y-0.111"/>
+                                          </p:val>
+                                        </p:tav>
+                                        <p:tav tm="60000">
+                                          <p:val>
+                                            <p:strVal val="ppt_y-0.106"/>
+                                          </p:val>
+                                        </p:tav>
+                                        <p:tav tm="70000">
+                                          <p:val>
+                                            <p:strVal val="ppt_y-0.090"/>
+                                          </p:val>
+                                        </p:tav>
+                                        <p:tav tm="80000">
+                                          <p:val>
+                                            <p:strVal val="ppt_y-0.065"/>
+                                          </p:val>
+                                        </p:tav>
+                                        <p:tav tm="90000">
+                                          <p:val>
+                                            <p:strVal val="ppt_y-0.034"/>
+                                          </p:val>
+                                        </p:tav>
+                                        <p:tav tm="100000">
+                                          <p:val>
+                                            <p:strVal val="ppt_y"/>
+                                          </p:val>
+                                        </p:tav>
+                                      </p:tavLst>
+                                    </p:anim>
+                                    <p:anim calcmode="lin" valueType="num">
+                                      <p:cBhvr>
+                                        <p:cTn id="31" dur="332" tmFilter="0, 0; 0.125,0.2665; 0.25,0.4; 0.375,0.465; 0.5,0.5;  0.625,0.535; 0.75,0.6; 0.875,0.7335; 1,1">
+                                          <p:stCondLst>
+                                            <p:cond delay="1324"/>
+                                          </p:stCondLst>
+                                        </p:cTn>
+                                        <p:tgtEl>
+                                          <p:spTgt spid="16"/>
+                                        </p:tgtEl>
+                                        <p:attrNameLst>
+                                          <p:attrName>ppt_y</p:attrName>
+                                        </p:attrNameLst>
+                                      </p:cBhvr>
+                                      <p:tavLst>
+                                        <p:tav tm="0">
+                                          <p:val>
+                                            <p:strVal val="ppt_y"/>
+                                          </p:val>
+                                        </p:tav>
+                                        <p:tav tm="10000">
+                                          <p:val>
+                                            <p:strVal val="ppt_y-0.011"/>
+                                          </p:val>
+                                        </p:tav>
+                                        <p:tav tm="20000">
+                                          <p:val>
+                                            <p:strVal val="ppt_y-0.022"/>
+                                          </p:val>
+                                        </p:tav>
+                                        <p:tav tm="30000">
+                                          <p:val>
+                                            <p:strVal val="ppt_y-0.030"/>
+                                          </p:val>
+                                        </p:tav>
+                                        <p:tav tm="40000">
+                                          <p:val>
+                                            <p:strVal val="ppt_y-0.035"/>
+                                          </p:val>
+                                        </p:tav>
+                                        <p:tav tm="50000">
+                                          <p:val>
+                                            <p:strVal val="ppt_y-0.037"/>
+                                          </p:val>
+                                        </p:tav>
+                                        <p:tav tm="60000">
+                                          <p:val>
+                                            <p:strVal val="ppt_y-0.035"/>
+                                          </p:val>
+                                        </p:tav>
+                                        <p:tav tm="70000">
+                                          <p:val>
+                                            <p:strVal val="ppt_y-0.030"/>
+                                          </p:val>
+                                        </p:tav>
+                                        <p:tav tm="80000">
+                                          <p:val>
+                                            <p:strVal val="ppt_y-0.022"/>
+                                          </p:val>
+                                        </p:tav>
+                                        <p:tav tm="90000">
+                                          <p:val>
+                                            <p:strVal val="ppt_y-0.011"/>
+                                          </p:val>
+                                        </p:tav>
+                                        <p:tav tm="100000">
+                                          <p:val>
+                                            <p:strVal val="ppt_y"/>
+                                          </p:val>
+                                        </p:tav>
+                                      </p:tavLst>
+                                    </p:anim>
+                                    <p:anim calcmode="lin" valueType="num">
+                                      <p:cBhvr>
+                                        <p:cTn id="32" dur="164" tmFilter="0, 0; 0.125,0.2665; 0.25,0.4; 0.375,0.465; 0.5,0.5;  0.625,0.535; 0.75,0.6; 0.875,0.7335; 1,1">
+                                          <p:stCondLst>
+                                            <p:cond delay="1656"/>
+                                          </p:stCondLst>
+                                        </p:cTn>
+                                        <p:tgtEl>
+                                          <p:spTgt spid="16"/>
+                                        </p:tgtEl>
+                                        <p:attrNameLst>
+                                          <p:attrName>ppt_y</p:attrName>
+                                        </p:attrNameLst>
+                                      </p:cBhvr>
+                                      <p:tavLst>
+                                        <p:tav tm="0">
+                                          <p:val>
+                                            <p:strVal val="ppt_y"/>
+                                          </p:val>
+                                        </p:tav>
+                                        <p:tav tm="10000">
+                                          <p:val>
+                                            <p:strVal val="ppt_y-0.004"/>
+                                          </p:val>
+                                        </p:tav>
+                                        <p:tav tm="20000">
+                                          <p:val>
+                                            <p:strVal val="ppt_y-0.007"/>
+                                          </p:val>
+                                        </p:tav>
+                                        <p:tav tm="30000">
+                                          <p:val>
+                                            <p:strVal val="ppt_y-0.010"/>
+                                          </p:val>
+                                        </p:tav>
+                                        <p:tav tm="40000">
+                                          <p:val>
+                                            <p:strVal val="ppt_y-0.012"/>
+                                          </p:val>
+                                        </p:tav>
+                                        <p:tav tm="50000">
+                                          <p:val>
+                                            <p:strVal val="ppt_y-0.0123"/>
+                                          </p:val>
+                                        </p:tav>
+                                        <p:tav tm="60000">
+                                          <p:val>
+                                            <p:strVal val="ppt_y-0.012"/>
+                                          </p:val>
+                                        </p:tav>
+                                        <p:tav tm="70000">
+                                          <p:val>
+                                            <p:strVal val="ppt_y-0.010"/>
+                                          </p:val>
+                                        </p:tav>
+                                        <p:tav tm="80000">
+                                          <p:val>
+                                            <p:strVal val="ppt_y-0.007"/>
+                                          </p:val>
+                                        </p:tav>
+                                        <p:tav tm="90000">
+                                          <p:val>
+                                            <p:strVal val="ppt_y-0.004"/>
+                                          </p:val>
+                                        </p:tav>
+                                        <p:tav tm="100000">
+                                          <p:val>
+                                            <p:strVal val="ppt_y"/>
+                                          </p:val>
+                                        </p:tav>
+                                      </p:tavLst>
+                                    </p:anim>
+                                    <p:anim calcmode="lin" valueType="num">
+                                      <p:cBhvr>
+                                        <p:cTn id="33" dur="180" accel="50000">
+                                          <p:stCondLst>
+                                            <p:cond delay="1820"/>
+                                          </p:stCondLst>
+                                        </p:cTn>
+                                        <p:tgtEl>
+                                          <p:spTgt spid="16"/>
+                                        </p:tgtEl>
+                                        <p:attrNameLst>
+                                          <p:attrName>ppt_y</p:attrName>
+                                        </p:attrNameLst>
+                                      </p:cBhvr>
+                                      <p:tavLst>
+                                        <p:tav tm="0">
+                                          <p:val>
+                                            <p:strVal val="ppt_y"/>
+                                          </p:val>
+                                        </p:tav>
+                                        <p:tav tm="100000">
+                                          <p:val>
+                                            <p:strVal val="ppt_y+ppt_h"/>
+                                          </p:val>
+                                        </p:tav>
+                                      </p:tavLst>
+                                    </p:anim>
+                                    <p:animScale>
+                                      <p:cBhvr>
+                                        <p:cTn id="34" dur="26">
+                                          <p:stCondLst>
+                                            <p:cond delay="620"/>
+                                          </p:stCondLst>
+                                        </p:cTn>
+                                        <p:tgtEl>
+                                          <p:spTgt spid="16"/>
+                                        </p:tgtEl>
+                                      </p:cBhvr>
+                                      <p:to x="100000" y="60000"/>
+                                    </p:animScale>
+                                    <p:animScale>
+                                      <p:cBhvr>
+                                        <p:cTn id="35" dur="166" decel="50000">
+                                          <p:stCondLst>
+                                            <p:cond delay="646"/>
+                                          </p:stCondLst>
+                                        </p:cTn>
+                                        <p:tgtEl>
+                                          <p:spTgt spid="16"/>
+                                        </p:tgtEl>
+                                      </p:cBhvr>
+                                      <p:to x="100000" y="100000"/>
+                                    </p:animScale>
+                                    <p:animScale>
+                                      <p:cBhvr>
+                                        <p:cTn id="36" dur="26">
+                                          <p:stCondLst>
+                                            <p:cond delay="1312"/>
+                                          </p:stCondLst>
+                                        </p:cTn>
+                                        <p:tgtEl>
+                                          <p:spTgt spid="16"/>
+                                        </p:tgtEl>
+                                      </p:cBhvr>
+                                      <p:to x="100000" y="80000"/>
+                                    </p:animScale>
+                                    <p:animScale>
+                                      <p:cBhvr>
+                                        <p:cTn id="37" dur="166" decel="50000">
+                                          <p:stCondLst>
+                                            <p:cond delay="1338"/>
+                                          </p:stCondLst>
+                                        </p:cTn>
+                                        <p:tgtEl>
+                                          <p:spTgt spid="16"/>
+                                        </p:tgtEl>
+                                      </p:cBhvr>
+                                      <p:to x="100000" y="100000"/>
+                                    </p:animScale>
+                                    <p:animScale>
+                                      <p:cBhvr>
+                                        <p:cTn id="38" dur="26">
+                                          <p:stCondLst>
+                                            <p:cond delay="1642"/>
+                                          </p:stCondLst>
+                                        </p:cTn>
+                                        <p:tgtEl>
+                                          <p:spTgt spid="16"/>
+                                        </p:tgtEl>
+                                      </p:cBhvr>
+                                      <p:to x="100000" y="90000"/>
+                                    </p:animScale>
+                                    <p:animScale>
+                                      <p:cBhvr>
+                                        <p:cTn id="39" dur="166" decel="50000">
+                                          <p:stCondLst>
+                                            <p:cond delay="1668"/>
+                                          </p:stCondLst>
+                                        </p:cTn>
+                                        <p:tgtEl>
+                                          <p:spTgt spid="16"/>
+                                        </p:tgtEl>
+                                      </p:cBhvr>
+                                      <p:to x="100000" y="100000"/>
+                                    </p:animScale>
+                                    <p:animScale>
+                                      <p:cBhvr>
+                                        <p:cTn id="40" dur="26">
+                                          <p:stCondLst>
+                                            <p:cond delay="1808"/>
+                                          </p:stCondLst>
+                                        </p:cTn>
+                                        <p:tgtEl>
+                                          <p:spTgt spid="16"/>
+                                        </p:tgtEl>
+                                      </p:cBhvr>
+                                      <p:to x="100000" y="95000"/>
+                                    </p:animScale>
+                                    <p:animScale>
+                                      <p:cBhvr>
+                                        <p:cTn id="41" dur="166" decel="50000">
+                                          <p:stCondLst>
+                                            <p:cond delay="1834"/>
+                                          </p:stCondLst>
+                                        </p:cTn>
+                                        <p:tgtEl>
+                                          <p:spTgt spid="16"/>
+                                        </p:tgtEl>
+                                      </p:cBhvr>
+                                      <p:to x="100000" y="100000"/>
+                                    </p:animScale>
+                                    <p:set>
+                                      <p:cBhvr>
+                                        <p:cTn id="42" dur="1" fill="hold">
+                                          <p:stCondLst>
+                                            <p:cond delay="1999"/>
+                                          </p:stCondLst>
+                                        </p:cTn>
+                                        <p:tgtEl>
+                                          <p:spTgt spid="16"/>
+                                        </p:tgtEl>
+                                        <p:attrNameLst>
+                                          <p:attrName>style.visibility</p:attrName>
+                                        </p:attrNameLst>
+                                      </p:cBhvr>
+                                      <p:to>
+                                        <p:strVal val="hidden"/>
+                                      </p:to>
+                                    </p:set>
+                                  </p:childTnLst>
+                                </p:cTn>
+                              </p:par>
+                            </p:childTnLst>
+                          </p:cTn>
+                        </p:par>
+                      </p:childTnLst>
+                    </p:cTn>
+                  </p:par>
+                  <p:par>
+                    <p:cTn id="43" fill="hold">
+                      <p:stCondLst>
+                        <p:cond delay="indefinite"/>
+                      </p:stCondLst>
+                      <p:childTnLst>
+                        <p:par>
+                          <p:cTn id="44" fill="hold">
+                            <p:stCondLst>
+                              <p:cond delay="0"/>
+                            </p:stCondLst>
+                            <p:childTnLst>
+                              <p:par>
+                                <p:cTn id="45" presetID="16" presetClass="entr" presetSubtype="21" fill="hold" nodeType="clickEffect">
+                                  <p:stCondLst>
+                                    <p:cond delay="0"/>
+                                  </p:stCondLst>
+                                  <p:childTnLst>
+                                    <p:set>
+                                      <p:cBhvr>
+                                        <p:cTn id="46" dur="1" fill="hold">
+                                          <p:stCondLst>
+                                            <p:cond delay="0"/>
+                                          </p:stCondLst>
+                                        </p:cTn>
+                                        <p:tgtEl>
+                                          <p:spTgt spid="21"/>
+                                        </p:tgtEl>
+                                        <p:attrNameLst>
+                                          <p:attrName>style.visibility</p:attrName>
+                                        </p:attrNameLst>
+                                      </p:cBhvr>
+                                      <p:to>
+                                        <p:strVal val="visible"/>
+                                      </p:to>
+                                    </p:set>
+                                    <p:animEffect transition="in" filter="barn(inVertical)">
+                                      <p:cBhvr>
+                                        <p:cTn id="47" dur="500"/>
+                                        <p:tgtEl>
+                                          <p:spTgt spid="21"/>
+                                        </p:tgtEl>
+                                      </p:cBhvr>
+                                    </p:animEffect>
+                                  </p:childTnLst>
+                                </p:cTn>
+                              </p:par>
+                            </p:childTnLst>
+                          </p:cTn>
+                        </p:par>
+                      </p:childTnLst>
+                    </p:cTn>
+                  </p:par>
+                  <p:par>
+                    <p:cTn id="48" fill="hold">
+                      <p:stCondLst>
+                        <p:cond delay="indefinite"/>
+                      </p:stCondLst>
+                      <p:childTnLst>
+                        <p:par>
+                          <p:cTn id="49" fill="hold">
+                            <p:stCondLst>
+                              <p:cond delay="0"/>
+                            </p:stCondLst>
+                            <p:childTnLst>
+                              <p:par>
+                                <p:cTn id="50" presetID="2" presetClass="exit" presetSubtype="4" fill="hold" nodeType="clickEffect">
+                                  <p:stCondLst>
+                                    <p:cond delay="0"/>
+                                  </p:stCondLst>
+                                  <p:childTnLst>
+                                    <p:anim calcmode="lin" valueType="num">
+                                      <p:cBhvr additive="base">
+                                        <p:cTn id="51" dur="500"/>
+                                        <p:tgtEl>
+                                          <p:spTgt spid="21"/>
+                                        </p:tgtEl>
+                                        <p:attrNameLst>
+                                          <p:attrName>ppt_x</p:attrName>
+                                        </p:attrNameLst>
+                                      </p:cBhvr>
+                                      <p:tavLst>
+                                        <p:tav tm="0">
+                                          <p:val>
+                                            <p:strVal val="ppt_x"/>
+                                          </p:val>
+                                        </p:tav>
+                                        <p:tav tm="100000">
+                                          <p:val>
+                                            <p:strVal val="ppt_x"/>
+                                          </p:val>
+                                        </p:tav>
+                                      </p:tavLst>
+                                    </p:anim>
+                                    <p:anim calcmode="lin" valueType="num">
+                                      <p:cBhvr additive="base">
+                                        <p:cTn id="52" dur="500"/>
+                                        <p:tgtEl>
+                                          <p:spTgt spid="21"/>
+                                        </p:tgtEl>
+                                        <p:attrNameLst>
+                                          <p:attrName>ppt_y</p:attrName>
+                                        </p:attrNameLst>
+                                      </p:cBhvr>
+                                      <p:tavLst>
+                                        <p:tav tm="0">
+                                          <p:val>
+                                            <p:strVal val="ppt_y"/>
+                                          </p:val>
+                                        </p:tav>
+                                        <p:tav tm="100000">
+                                          <p:val>
+                                            <p:strVal val="1+ppt_h/2"/>
+                                          </p:val>
+                                        </p:tav>
+                                      </p:tavLst>
+                                    </p:anim>
+                                    <p:set>
+                                      <p:cBhvr>
+                                        <p:cTn id="53" dur="1" fill="hold">
+                                          <p:stCondLst>
+                                            <p:cond delay="499"/>
+                                          </p:stCondLst>
+                                        </p:cTn>
+                                        <p:tgtEl>
+                                          <p:spTgt spid="21"/>
+                                        </p:tgtEl>
+                                        <p:attrNameLst>
+                                          <p:attrName>style.visibility</p:attrName>
+                                        </p:attrNameLst>
+                                      </p:cBhvr>
+                                      <p:to>
+                                        <p:strVal val="hidden"/>
+                                      </p:to>
+                                    </p:set>
+                                  </p:childTnLst>
+                                </p:cTn>
+                              </p:par>
+                            </p:childTnLst>
+                          </p:cTn>
+                        </p:par>
+                      </p:childTnLst>
+                    </p:cTn>
+                  </p:par>
+                </p:childTnLst>
+              </p:cTn>
+              <p:prevCondLst>
+                <p:cond evt="onPrev" delay="0">
+                  <p:tgtEl>
+                    <p:sldTgt/>
+                  </p:tgtEl>
+                </p:cond>
+              </p:prevCondLst>
+              <p:nextCondLst>
+                <p:cond evt="onNext" delay="0">
+                  <p:tgtEl>
+                    <p:sldTgt/>
+                  </p:tgtEl>
+                </p:cond>
+              </p:nextCondLst>
+            </p:seq>
+          </p:childTnLst>
+        </p:cTn>
+      </p:par>
+    </p:tnLst>
+    <p:bldLst>
+      <p:bldP spid="14" grpId="0"/>
+      <p:bldP spid="16" grpId="0"/>
+      <p:bldP spid="16" grpId="1"/>
+    </p:bldLst>
+  </p:timing>
 </p:sld>
 </file>
 
@@ -7803,6 +9176,220 @@
           </a:effectLst>
         </p:spPr>
       </p:pic>
+      <p:sp>
+        <p:nvSpPr>
+          <p:cNvPr id="6" name="TextBox 5">
+            <a:extLst>
+              <a:ext uri="{FF2B5EF4-FFF2-40B4-BE49-F238E27FC236}">
+                <a16:creationId xmlns:a16="http://schemas.microsoft.com/office/drawing/2014/main" id="{1CE5E67F-EB08-4881-8B41-0618959B7619}"/>
+              </a:ext>
+            </a:extLst>
+          </p:cNvPr>
+          <p:cNvSpPr txBox="1"/>
+          <p:nvPr/>
+        </p:nvSpPr>
+        <p:spPr>
+          <a:xfrm>
+            <a:off x="1085849" y="348734"/>
+            <a:ext cx="8639175" cy="523220"/>
+          </a:xfrm>
+          <a:prstGeom prst="rect">
+            <a:avLst/>
+          </a:prstGeom>
+          <a:noFill/>
+        </p:spPr>
+        <p:txBody>
+          <a:bodyPr wrap="square" rtlCol="0">
+            <a:spAutoFit/>
+          </a:bodyPr>
+          <a:lstStyle>
+            <a:defPPr>
+              <a:defRPr lang="en-US"/>
+            </a:defPPr>
+            <a:lvl1pPr>
+              <a:defRPr sz="2800" b="1">
+                <a:effectLst/>
+                <a:latin typeface="Calibri" panose="020F0502020204030204" pitchFamily="34" charset="0"/>
+                <a:ea typeface="Calibri" panose="020F0502020204030204" pitchFamily="34" charset="0"/>
+                <a:cs typeface="Times New Roman" panose="02020603050405020304" pitchFamily="18" charset="0"/>
+              </a:defRPr>
+            </a:lvl1pPr>
+          </a:lstStyle>
+          <a:p>
+            <a:r>
+              <a:rPr lang="en-IN" dirty="0"/>
+              <a:t>Growth of Electronic system in Automobile</a:t>
+            </a:r>
+          </a:p>
+        </p:txBody>
+      </p:sp>
+      <p:sp>
+        <p:nvSpPr>
+          <p:cNvPr id="10" name="TextBox 9">
+            <a:extLst>
+              <a:ext uri="{FF2B5EF4-FFF2-40B4-BE49-F238E27FC236}">
+                <a16:creationId xmlns:a16="http://schemas.microsoft.com/office/drawing/2014/main" id="{3FAFE652-283B-4511-B078-871B947BCAD0}"/>
+              </a:ext>
+            </a:extLst>
+          </p:cNvPr>
+          <p:cNvSpPr txBox="1"/>
+          <p:nvPr/>
+        </p:nvSpPr>
+        <p:spPr>
+          <a:xfrm>
+            <a:off x="1200150" y="1217563"/>
+            <a:ext cx="10077450" cy="923330"/>
+          </a:xfrm>
+          <a:prstGeom prst="rect">
+            <a:avLst/>
+          </a:prstGeom>
+          <a:noFill/>
+        </p:spPr>
+        <p:txBody>
+          <a:bodyPr wrap="square">
+            <a:spAutoFit/>
+          </a:bodyPr>
+          <a:lstStyle/>
+          <a:p>
+            <a:r>
+              <a:rPr lang="en-US" dirty="0"/>
+              <a:t>Electronic systems have become an increasingly large component of the cost of an automobile, from only around 1% of its value in 1950 to around 30% in 2010.Modern electric cars rely on power electronics for the main propulsion motor control, as well as managing the battery system. </a:t>
+            </a:r>
+            <a:endParaRPr lang="en-IN" dirty="0"/>
+          </a:p>
+        </p:txBody>
+      </p:sp>
+      <p:pic>
+        <p:nvPicPr>
+          <p:cNvPr id="12" name="Picture 11">
+            <a:extLst>
+              <a:ext uri="{FF2B5EF4-FFF2-40B4-BE49-F238E27FC236}">
+                <a16:creationId xmlns:a16="http://schemas.microsoft.com/office/drawing/2014/main" id="{2CBAB5C3-2DC4-4497-B073-2E10F9F147F0}"/>
+              </a:ext>
+            </a:extLst>
+          </p:cNvPr>
+          <p:cNvPicPr>
+            <a:picLocks noChangeAspect="1"/>
+          </p:cNvPicPr>
+          <p:nvPr/>
+        </p:nvPicPr>
+        <p:blipFill>
+          <a:blip r:embed="rId3"/>
+          <a:stretch>
+            <a:fillRect/>
+          </a:stretch>
+        </p:blipFill>
+        <p:spPr>
+          <a:xfrm>
+            <a:off x="1104900" y="2422286"/>
+            <a:ext cx="4943475" cy="2825990"/>
+          </a:xfrm>
+          <a:prstGeom prst="rect">
+            <a:avLst/>
+          </a:prstGeom>
+        </p:spPr>
+      </p:pic>
+      <p:pic>
+        <p:nvPicPr>
+          <p:cNvPr id="14" name="Picture 13">
+            <a:extLst>
+              <a:ext uri="{FF2B5EF4-FFF2-40B4-BE49-F238E27FC236}">
+                <a16:creationId xmlns:a16="http://schemas.microsoft.com/office/drawing/2014/main" id="{4FF270B0-9D1F-428B-89B3-B283112E0EFC}"/>
+              </a:ext>
+            </a:extLst>
+          </p:cNvPr>
+          <p:cNvPicPr>
+            <a:picLocks noChangeAspect="1"/>
+          </p:cNvPicPr>
+          <p:nvPr/>
+        </p:nvPicPr>
+        <p:blipFill>
+          <a:blip r:embed="rId4"/>
+          <a:stretch>
+            <a:fillRect/>
+          </a:stretch>
+        </p:blipFill>
+        <p:spPr>
+          <a:xfrm>
+            <a:off x="6124575" y="2362200"/>
+            <a:ext cx="5158035" cy="2819400"/>
+          </a:xfrm>
+          <a:prstGeom prst="rect">
+            <a:avLst/>
+          </a:prstGeom>
+        </p:spPr>
+      </p:pic>
+      <p:sp>
+        <p:nvSpPr>
+          <p:cNvPr id="16" name="TextBox 15">
+            <a:extLst>
+              <a:ext uri="{FF2B5EF4-FFF2-40B4-BE49-F238E27FC236}">
+                <a16:creationId xmlns:a16="http://schemas.microsoft.com/office/drawing/2014/main" id="{8992B821-AC1C-4B94-9214-759B4209C170}"/>
+              </a:ext>
+            </a:extLst>
+          </p:cNvPr>
+          <p:cNvSpPr txBox="1"/>
+          <p:nvPr/>
+        </p:nvSpPr>
+        <p:spPr>
+          <a:xfrm>
+            <a:off x="1047750" y="5634335"/>
+            <a:ext cx="9467850" cy="646331"/>
+          </a:xfrm>
+          <a:prstGeom prst="rect">
+            <a:avLst/>
+          </a:prstGeom>
+          <a:noFill/>
+        </p:spPr>
+        <p:txBody>
+          <a:bodyPr wrap="square">
+            <a:spAutoFit/>
+          </a:bodyPr>
+          <a:lstStyle/>
+          <a:p>
+            <a:r>
+              <a:rPr lang="en-US" dirty="0"/>
+              <a:t>Future autonomous cars will rely on powerful computer systems, an array of sensors, networking, and satellite navigation, all of which will require electronics</a:t>
+            </a:r>
+            <a:endParaRPr lang="en-IN" dirty="0"/>
+          </a:p>
+        </p:txBody>
+      </p:sp>
+      <p:sp>
+        <p:nvSpPr>
+          <p:cNvPr id="17" name="TextBox 16">
+            <a:extLst>
+              <a:ext uri="{FF2B5EF4-FFF2-40B4-BE49-F238E27FC236}">
+                <a16:creationId xmlns:a16="http://schemas.microsoft.com/office/drawing/2014/main" id="{64404CD3-1CC2-4206-8C7C-4D5FB3B50456}"/>
+              </a:ext>
+            </a:extLst>
+          </p:cNvPr>
+          <p:cNvSpPr txBox="1"/>
+          <p:nvPr/>
+        </p:nvSpPr>
+        <p:spPr>
+          <a:xfrm>
+            <a:off x="1038225" y="6504801"/>
+            <a:ext cx="3733800" cy="276999"/>
+          </a:xfrm>
+          <a:prstGeom prst="rect">
+            <a:avLst/>
+          </a:prstGeom>
+          <a:noFill/>
+        </p:spPr>
+        <p:txBody>
+          <a:bodyPr wrap="square" rtlCol="0">
+            <a:spAutoFit/>
+          </a:bodyPr>
+          <a:lstStyle/>
+          <a:p>
+            <a:r>
+              <a:rPr lang="en-IN" sz="1200" b="1" dirty="0"/>
+              <a:t>* Reference data at 2022</a:t>
+            </a:r>
+          </a:p>
+        </p:txBody>
+      </p:sp>
     </p:spTree>
     <p:extLst>
       <p:ext uri="{BB962C8B-B14F-4D97-AF65-F5344CB8AC3E}">
